--- a/Later/StringBuffer/StringBuffer_27/Java StringBuffer_codePointCount.pptx
+++ b/Later/StringBuffer/StringBuffer_27/Java StringBuffer_codePointCount.pptx
@@ -192,7 +192,7 @@
           <a:p>
             <a:fld id="{62274EC6-3890-417B-9308-14EFBD00FA63}" type="datetimeFigureOut">
               <a:rPr lang="en-US" smtClean="0"/>
-              <a:t>3/18/2016</a:t>
+              <a:t>3/31/2016</a:t>
             </a:fld>
             <a:endParaRPr lang="en-US" dirty="0"/>
           </a:p>
@@ -731,7 +731,7 @@
             <a:fld id="{1D8BD707-D9CF-40AE-B4C6-C98DA3205C09}" type="datetimeFigureOut">
               <a:rPr lang="en-US" smtClean="0"/>
               <a:pPr/>
-              <a:t>3/18/2016</a:t>
+              <a:t>3/31/2016</a:t>
             </a:fld>
             <a:endParaRPr lang="en-US" dirty="0"/>
           </a:p>
@@ -903,7 +903,7 @@
             <a:fld id="{1D8BD707-D9CF-40AE-B4C6-C98DA3205C09}" type="datetimeFigureOut">
               <a:rPr lang="en-US" smtClean="0"/>
               <a:pPr/>
-              <a:t>3/18/2016</a:t>
+              <a:t>3/31/2016</a:t>
             </a:fld>
             <a:endParaRPr lang="en-US" dirty="0"/>
           </a:p>
@@ -1085,7 +1085,7 @@
             <a:fld id="{1D8BD707-D9CF-40AE-B4C6-C98DA3205C09}" type="datetimeFigureOut">
               <a:rPr lang="en-US" smtClean="0"/>
               <a:pPr/>
-              <a:t>3/18/2016</a:t>
+              <a:t>3/31/2016</a:t>
             </a:fld>
             <a:endParaRPr lang="en-US" dirty="0"/>
           </a:p>
@@ -1257,7 +1257,7 @@
             <a:fld id="{1D8BD707-D9CF-40AE-B4C6-C98DA3205C09}" type="datetimeFigureOut">
               <a:rPr lang="en-US" smtClean="0"/>
               <a:pPr/>
-              <a:t>3/18/2016</a:t>
+              <a:t>3/31/2016</a:t>
             </a:fld>
             <a:endParaRPr lang="en-US" dirty="0"/>
           </a:p>
@@ -1505,7 +1505,7 @@
             <a:fld id="{1D8BD707-D9CF-40AE-B4C6-C98DA3205C09}" type="datetimeFigureOut">
               <a:rPr lang="en-US" smtClean="0"/>
               <a:pPr/>
-              <a:t>3/18/2016</a:t>
+              <a:t>3/31/2016</a:t>
             </a:fld>
             <a:endParaRPr lang="en-US" dirty="0"/>
           </a:p>
@@ -1795,7 +1795,7 @@
             <a:fld id="{1D8BD707-D9CF-40AE-B4C6-C98DA3205C09}" type="datetimeFigureOut">
               <a:rPr lang="en-US" smtClean="0"/>
               <a:pPr/>
-              <a:t>3/18/2016</a:t>
+              <a:t>3/31/2016</a:t>
             </a:fld>
             <a:endParaRPr lang="en-US" dirty="0"/>
           </a:p>
@@ -2224,7 +2224,7 @@
             <a:fld id="{1D8BD707-D9CF-40AE-B4C6-C98DA3205C09}" type="datetimeFigureOut">
               <a:rPr lang="en-US" smtClean="0"/>
               <a:pPr/>
-              <a:t>3/18/2016</a:t>
+              <a:t>3/31/2016</a:t>
             </a:fld>
             <a:endParaRPr lang="en-US" dirty="0"/>
           </a:p>
@@ -2344,7 +2344,7 @@
             <a:fld id="{1D8BD707-D9CF-40AE-B4C6-C98DA3205C09}" type="datetimeFigureOut">
               <a:rPr lang="en-US" smtClean="0"/>
               <a:pPr/>
-              <a:t>3/18/2016</a:t>
+              <a:t>3/31/2016</a:t>
             </a:fld>
             <a:endParaRPr lang="en-US" dirty="0"/>
           </a:p>
@@ -2441,7 +2441,7 @@
             <a:fld id="{1D8BD707-D9CF-40AE-B4C6-C98DA3205C09}" type="datetimeFigureOut">
               <a:rPr lang="en-US" smtClean="0"/>
               <a:pPr/>
-              <a:t>3/18/2016</a:t>
+              <a:t>3/31/2016</a:t>
             </a:fld>
             <a:endParaRPr lang="en-US" dirty="0"/>
           </a:p>
@@ -2720,7 +2720,7 @@
             <a:fld id="{1D8BD707-D9CF-40AE-B4C6-C98DA3205C09}" type="datetimeFigureOut">
               <a:rPr lang="en-US" smtClean="0"/>
               <a:pPr/>
-              <a:t>3/18/2016</a:t>
+              <a:t>3/31/2016</a:t>
             </a:fld>
             <a:endParaRPr lang="en-US" dirty="0"/>
           </a:p>
@@ -2975,7 +2975,7 @@
             <a:fld id="{1D8BD707-D9CF-40AE-B4C6-C98DA3205C09}" type="datetimeFigureOut">
               <a:rPr lang="en-US" smtClean="0"/>
               <a:pPr/>
-              <a:t>3/18/2016</a:t>
+              <a:t>3/31/2016</a:t>
             </a:fld>
             <a:endParaRPr lang="en-US" dirty="0"/>
           </a:p>
@@ -3190,7 +3190,7 @@
             <a:fld id="{1D8BD707-D9CF-40AE-B4C6-C98DA3205C09}" type="datetimeFigureOut">
               <a:rPr lang="en-US" smtClean="0"/>
               <a:pPr/>
-              <a:t>3/18/2016</a:t>
+              <a:t>3/31/2016</a:t>
             </a:fld>
             <a:endParaRPr lang="en-US" dirty="0"/>
           </a:p>
@@ -3730,8 +3730,8 @@
         </p:nvSpPr>
         <p:spPr>
           <a:xfrm>
-            <a:off x="3352801" y="35739"/>
-            <a:ext cx="2400300" cy="276999"/>
+            <a:off x="3048000" y="35739"/>
+            <a:ext cx="2705101" cy="276999"/>
           </a:xfrm>
           <a:prstGeom prst="rect">
             <a:avLst/>
@@ -3764,7 +3764,7 @@
                   <a:schemeClr val="bg1"/>
                 </a:solidFill>
               </a:rPr>
-              <a:t>String –  </a:t>
+              <a:t>StringBuffer –  </a:t>
             </a:r>
             <a:r>
               <a:rPr lang="en-US" sz="1200" dirty="0" smtClean="0"/>
@@ -3795,7 +3795,7 @@
           <p:nvPr>
             <p:extLst>
               <p:ext uri="{D42A27DB-BD31-4B8C-83A1-F6EECF244321}">
-                <p14:modId xmlns:p14="http://schemas.microsoft.com/office/powerpoint/2010/main" val="90131395"/>
+                <p14:modId xmlns:p14="http://schemas.microsoft.com/office/powerpoint/2010/main" val="228898636"/>
               </p:ext>
             </p:extLst>
           </p:nvPr>
@@ -3995,7 +3995,7 @@
                           <a:ea typeface="+mn-ea"/>
                           <a:cs typeface="+mn-cs"/>
                         </a:rPr>
-                        <a:t>Returns the number of Unicode code points in the specified text range of this </a:t>
+                        <a:t>Returns the number of Unicode code points in the specified text range of this sequence. The text range begins at the specified </a:t>
                       </a:r>
                       <a:r>
                         <a:rPr lang="en-US" sz="1200" dirty="0" smtClean="0">
@@ -4003,7 +4003,7 @@
                             <a:srgbClr val="C00000"/>
                           </a:solidFill>
                         </a:rPr>
-                        <a:t>String</a:t>
+                        <a:t>beginIndex</a:t>
                       </a:r>
                       <a:r>
                         <a:rPr lang="en-US" sz="1200" b="0" i="0" kern="1200" dirty="0" smtClean="0">
@@ -4015,7 +4015,7 @@
                           <a:ea typeface="+mn-ea"/>
                           <a:cs typeface="+mn-cs"/>
                         </a:rPr>
-                        <a:t>. The text range begins at the specified </a:t>
+                        <a:t> and extends to the </a:t>
                       </a:r>
                       <a:r>
                         <a:rPr lang="en-US" sz="1200" dirty="0" smtClean="0">
@@ -4023,22 +4023,6 @@
                             <a:srgbClr val="C00000"/>
                           </a:solidFill>
                         </a:rPr>
-                        <a:t>beginIndex </a:t>
-                      </a:r>
-                      <a:r>
-                        <a:rPr lang="en-US" sz="1200" b="0" i="0" kern="1200" dirty="0" smtClean="0">
-                          <a:solidFill>
-                            <a:schemeClr val="tx1"/>
-                          </a:solidFill>
-                          <a:effectLst/>
-                          <a:latin typeface="+mn-lt"/>
-                          <a:ea typeface="+mn-ea"/>
-                          <a:cs typeface="+mn-cs"/>
-                        </a:rPr>
-                        <a:t>and extends to the </a:t>
-                      </a:r>
-                      <a:r>
-                        <a:rPr lang="en-US" sz="1200" dirty="0" smtClean="0"/>
                         <a:t>char</a:t>
                       </a:r>
                       <a:r>
@@ -4074,24 +4058,8 @@
                         <a:t>. Thus the length (in </a:t>
                       </a:r>
                       <a:r>
-                        <a:rPr lang="en-US" sz="1200" dirty="0" smtClean="0">
-                          <a:solidFill>
-                            <a:srgbClr val="C00000"/>
-                          </a:solidFill>
-                        </a:rPr>
+                        <a:rPr lang="en-US" sz="1200" dirty="0" smtClean="0"/>
                         <a:t>char</a:t>
-                      </a:r>
-                      <a:r>
-                        <a:rPr lang="en-US" sz="1200" b="0" i="0" kern="1200" dirty="0" smtClean="0">
-                          <a:solidFill>
-                            <a:srgbClr val="C00000"/>
-                          </a:solidFill>
-                          <a:effectLst/>
-                          <a:latin typeface="+mn-lt"/>
-                          <a:ea typeface="+mn-ea"/>
-                          <a:cs typeface="+mn-cs"/>
-                        </a:rPr>
-                        <a:t>s</a:t>
                       </a:r>
                       <a:r>
                         <a:rPr lang="en-US" sz="1200" b="0" i="0" kern="1200" dirty="0" smtClean="0">
@@ -4103,7 +4071,7 @@
                           <a:ea typeface="+mn-ea"/>
                           <a:cs typeface="+mn-cs"/>
                         </a:rPr>
-                        <a:t>) of the text range is </a:t>
+                        <a:t>s) of the text range is </a:t>
                       </a:r>
                       <a:r>
                         <a:rPr lang="en-US" sz="1200" dirty="0" smtClean="0">
@@ -4123,7 +4091,7 @@
                           <a:ea typeface="+mn-ea"/>
                           <a:cs typeface="+mn-cs"/>
                         </a:rPr>
-                        <a:t>. Unpaired surrogates within the text range count as one code point each.</a:t>
+                        <a:t>. Unpaired surrogates within this sequence count as one code point each.</a:t>
                       </a:r>
                       <a:endParaRPr lang="en-US" sz="1200" b="0" i="0" kern="1200" dirty="0">
                         <a:solidFill>
